--- a/doc/微服务架构.pptx
+++ b/doc/微服务架构.pptx
@@ -292,7 +292,7 @@
     </p:spTree>
     <p:extLst>
       <p:ext uri="{BB962C8B-B14F-4D97-AF65-F5344CB8AC3E}">
-        <p14:creationId xmlns:p14="http://schemas.microsoft.com/office/powerpoint/2010/main" xmlns="" val="3051827620"/>
+        <p14:creationId xmlns="" xmlns:p14="http://schemas.microsoft.com/office/powerpoint/2010/main" val="3051827620"/>
       </p:ext>
     </p:extLst>
   </p:cSld>
@@ -464,7 +464,7 @@
     </p:spTree>
     <p:extLst>
       <p:ext uri="{BB962C8B-B14F-4D97-AF65-F5344CB8AC3E}">
-        <p14:creationId xmlns:p14="http://schemas.microsoft.com/office/powerpoint/2010/main" xmlns="" val="3188717747"/>
+        <p14:creationId xmlns="" xmlns:p14="http://schemas.microsoft.com/office/powerpoint/2010/main" val="3188717747"/>
       </p:ext>
     </p:extLst>
   </p:cSld>
@@ -646,7 +646,7 @@
     </p:spTree>
     <p:extLst>
       <p:ext uri="{BB962C8B-B14F-4D97-AF65-F5344CB8AC3E}">
-        <p14:creationId xmlns:p14="http://schemas.microsoft.com/office/powerpoint/2010/main" xmlns="" val="4025501431"/>
+        <p14:creationId xmlns="" xmlns:p14="http://schemas.microsoft.com/office/powerpoint/2010/main" val="4025501431"/>
       </p:ext>
     </p:extLst>
   </p:cSld>
@@ -818,7 +818,7 @@
     </p:spTree>
     <p:extLst>
       <p:ext uri="{BB962C8B-B14F-4D97-AF65-F5344CB8AC3E}">
-        <p14:creationId xmlns:p14="http://schemas.microsoft.com/office/powerpoint/2010/main" xmlns="" val="598653943"/>
+        <p14:creationId xmlns="" xmlns:p14="http://schemas.microsoft.com/office/powerpoint/2010/main" val="598653943"/>
       </p:ext>
     </p:extLst>
   </p:cSld>
@@ -1066,7 +1066,7 @@
     </p:spTree>
     <p:extLst>
       <p:ext uri="{BB962C8B-B14F-4D97-AF65-F5344CB8AC3E}">
-        <p14:creationId xmlns:p14="http://schemas.microsoft.com/office/powerpoint/2010/main" xmlns="" val="1612184157"/>
+        <p14:creationId xmlns="" xmlns:p14="http://schemas.microsoft.com/office/powerpoint/2010/main" val="1612184157"/>
       </p:ext>
     </p:extLst>
   </p:cSld>
@@ -1300,7 +1300,7 @@
     </p:spTree>
     <p:extLst>
       <p:ext uri="{BB962C8B-B14F-4D97-AF65-F5344CB8AC3E}">
-        <p14:creationId xmlns:p14="http://schemas.microsoft.com/office/powerpoint/2010/main" xmlns="" val="2905825717"/>
+        <p14:creationId xmlns="" xmlns:p14="http://schemas.microsoft.com/office/powerpoint/2010/main" val="2905825717"/>
       </p:ext>
     </p:extLst>
   </p:cSld>
@@ -1669,7 +1669,7 @@
     </p:spTree>
     <p:extLst>
       <p:ext uri="{BB962C8B-B14F-4D97-AF65-F5344CB8AC3E}">
-        <p14:creationId xmlns:p14="http://schemas.microsoft.com/office/powerpoint/2010/main" xmlns="" val="168117047"/>
+        <p14:creationId xmlns="" xmlns:p14="http://schemas.microsoft.com/office/powerpoint/2010/main" val="168117047"/>
       </p:ext>
     </p:extLst>
   </p:cSld>
@@ -1789,7 +1789,7 @@
     </p:spTree>
     <p:extLst>
       <p:ext uri="{BB962C8B-B14F-4D97-AF65-F5344CB8AC3E}">
-        <p14:creationId xmlns:p14="http://schemas.microsoft.com/office/powerpoint/2010/main" xmlns="" val="2764406021"/>
+        <p14:creationId xmlns="" xmlns:p14="http://schemas.microsoft.com/office/powerpoint/2010/main" val="2764406021"/>
       </p:ext>
     </p:extLst>
   </p:cSld>
@@ -1886,7 +1886,7 @@
     </p:spTree>
     <p:extLst>
       <p:ext uri="{BB962C8B-B14F-4D97-AF65-F5344CB8AC3E}">
-        <p14:creationId xmlns:p14="http://schemas.microsoft.com/office/powerpoint/2010/main" xmlns="" val="276523006"/>
+        <p14:creationId xmlns="" xmlns:p14="http://schemas.microsoft.com/office/powerpoint/2010/main" val="276523006"/>
       </p:ext>
     </p:extLst>
   </p:cSld>
@@ -2165,7 +2165,7 @@
     </p:spTree>
     <p:extLst>
       <p:ext uri="{BB962C8B-B14F-4D97-AF65-F5344CB8AC3E}">
-        <p14:creationId xmlns:p14="http://schemas.microsoft.com/office/powerpoint/2010/main" xmlns="" val="694758376"/>
+        <p14:creationId xmlns="" xmlns:p14="http://schemas.microsoft.com/office/powerpoint/2010/main" val="694758376"/>
       </p:ext>
     </p:extLst>
   </p:cSld>
@@ -2420,7 +2420,7 @@
     </p:spTree>
     <p:extLst>
       <p:ext uri="{BB962C8B-B14F-4D97-AF65-F5344CB8AC3E}">
-        <p14:creationId xmlns:p14="http://schemas.microsoft.com/office/powerpoint/2010/main" xmlns="" val="477805659"/>
+        <p14:creationId xmlns="" xmlns:p14="http://schemas.microsoft.com/office/powerpoint/2010/main" val="477805659"/>
       </p:ext>
     </p:extLst>
   </p:cSld>
@@ -2671,7 +2671,7 @@
     </p:spTree>
     <p:extLst>
       <p:ext uri="{BB962C8B-B14F-4D97-AF65-F5344CB8AC3E}">
-        <p14:creationId xmlns:p14="http://schemas.microsoft.com/office/powerpoint/2010/main" xmlns="" val="2003094035"/>
+        <p14:creationId xmlns="" xmlns:p14="http://schemas.microsoft.com/office/powerpoint/2010/main" val="2003094035"/>
       </p:ext>
     </p:extLst>
   </p:cSld>
@@ -3270,8 +3270,8 @@
         </p:nvSpPr>
         <p:spPr>
           <a:xfrm>
-            <a:off x="3590486" y="3456264"/>
-            <a:ext cx="1157682" cy="469784"/>
+            <a:off x="3422708" y="3456264"/>
+            <a:ext cx="1451296" cy="469784"/>
           </a:xfrm>
           <a:prstGeom prst="rect">
             <a:avLst/>
@@ -3298,7 +3298,11 @@
             <a:pPr algn="ctr"/>
             <a:r>
               <a:rPr lang="en-US" altLang="zh-CN" dirty="0" smtClean="0"/>
-              <a:t>API server</a:t>
+              <a:t>API </a:t>
+            </a:r>
+            <a:r>
+              <a:rPr lang="en-US" altLang="zh-CN" dirty="0" smtClean="0"/>
+              <a:t>gateway</a:t>
             </a:r>
             <a:endParaRPr lang="zh-CN" altLang="en-US" dirty="0"/>
           </a:p>
@@ -3555,8 +3559,8 @@
         </p:nvCxnSpPr>
         <p:spPr>
           <a:xfrm flipH="1">
-            <a:off x="4169327" y="2676089"/>
-            <a:ext cx="1468076" cy="780175"/>
+            <a:off x="4148356" y="2676089"/>
+            <a:ext cx="1489047" cy="780175"/>
           </a:xfrm>
           <a:prstGeom prst="straightConnector1">
             <a:avLst/>
@@ -3628,7 +3632,7 @@
         <p:spPr>
           <a:xfrm flipH="1">
             <a:off x="2839674" y="3926048"/>
-            <a:ext cx="1329653" cy="1342238"/>
+            <a:ext cx="1308682" cy="1342238"/>
           </a:xfrm>
           <a:prstGeom prst="straightConnector1">
             <a:avLst/>
@@ -3663,8 +3667,8 @@
         </p:nvCxnSpPr>
         <p:spPr>
           <a:xfrm>
-            <a:off x="4169327" y="3926048"/>
-            <a:ext cx="314589" cy="1350627"/>
+            <a:off x="4148356" y="3926048"/>
+            <a:ext cx="335560" cy="1350627"/>
           </a:xfrm>
           <a:prstGeom prst="straightConnector1">
             <a:avLst/>
@@ -3699,8 +3703,8 @@
         </p:nvCxnSpPr>
         <p:spPr>
           <a:xfrm>
-            <a:off x="4169327" y="3926048"/>
-            <a:ext cx="1765885" cy="1350627"/>
+            <a:off x="4148356" y="3926048"/>
+            <a:ext cx="1786856" cy="1350627"/>
           </a:xfrm>
           <a:prstGeom prst="straightConnector1">
             <a:avLst/>
@@ -3735,8 +3739,8 @@
         </p:nvCxnSpPr>
         <p:spPr>
           <a:xfrm>
-            <a:off x="4169327" y="3926048"/>
-            <a:ext cx="3267514" cy="1333849"/>
+            <a:off x="4148356" y="3926048"/>
+            <a:ext cx="3288485" cy="1333849"/>
           </a:xfrm>
           <a:prstGeom prst="straightConnector1">
             <a:avLst/>
@@ -3958,11 +3962,7 @@
           <a:p>
             <a:r>
               <a:rPr lang="en-US" altLang="zh-CN" dirty="0" err="1" smtClean="0"/>
-              <a:t>a</a:t>
-            </a:r>
-            <a:r>
-              <a:rPr lang="en-US" altLang="zh-CN" dirty="0" err="1" smtClean="0"/>
-              <a:t>ccess_token</a:t>
+              <a:t>access_token</a:t>
             </a:r>
             <a:endParaRPr lang="zh-CN" altLang="en-US" dirty="0"/>
           </a:p>
@@ -4231,7 +4231,7 @@
   <a:extraClrSchemeLst/>
   <a:extLst>
     <a:ext uri="{05A4C25C-085E-4340-85A3-A5531E510DB2}">
-      <thm15:themeFamily xmlns:thm15="http://schemas.microsoft.com/office/thememl/2012/main" xmlns="" name="Office Theme" id="{62F939B6-93AF-4DB8-9C6B-D6C7DFDC589F}" vid="{4A3C46E8-61CC-4603-A589-7422A47A8E4A}"/>
+      <thm15:themeFamily xmlns="" xmlns:thm15="http://schemas.microsoft.com/office/thememl/2012/main" name="Office Theme" id="{62F939B6-93AF-4DB8-9C6B-D6C7DFDC589F}" vid="{4A3C46E8-61CC-4603-A589-7422A47A8E4A}"/>
     </a:ext>
   </a:extLst>
 </a:theme>
